--- a/figures/dendro clonal groups labelled.pptx
+++ b/figures/dendro clonal groups labelled.pptx
@@ -5,8 +5,7 @@
     <p:sldMasterId id="2147483648" r:id="rId1"/>
   </p:sldMasterIdLst>
   <p:sldIdLst>
-    <p:sldId id="256" r:id="rId2"/>
-    <p:sldId id="257" r:id="rId3"/>
+    <p:sldId id="257" r:id="rId2"/>
   </p:sldIdLst>
   <p:sldSz cx="12192000" cy="6858000"/>
   <p:notesSz cx="6858000" cy="9144000"/>
@@ -105,6 +104,11 @@
       </a:defRPr>
     </a:lvl9pPr>
   </p:defaultTextStyle>
+  <p:extLst>
+    <p:ext uri="{EFAFB233-063F-42B5-8137-9DF3F51BA10A}">
+      <p15:sldGuideLst xmlns:p15="http://schemas.microsoft.com/office/powerpoint/2012/main"/>
+    </p:ext>
+  </p:extLst>
 </p:presentation>
 </file>
 
@@ -255,7 +259,7 @@
           <a:p>
             <a:fld id="{023C350C-A305-4708-A5CB-14CDDFC21B71}" type="datetimeFigureOut">
               <a:rPr lang="en-US" smtClean="0"/>
-              <a:t>2/24/2022</a:t>
+              <a:t>3/1/2022</a:t>
             </a:fld>
             <a:endParaRPr lang="en-US"/>
           </a:p>
@@ -453,7 +457,7 @@
           <a:p>
             <a:fld id="{023C350C-A305-4708-A5CB-14CDDFC21B71}" type="datetimeFigureOut">
               <a:rPr lang="en-US" smtClean="0"/>
-              <a:t>2/24/2022</a:t>
+              <a:t>3/1/2022</a:t>
             </a:fld>
             <a:endParaRPr lang="en-US"/>
           </a:p>
@@ -661,7 +665,7 @@
           <a:p>
             <a:fld id="{023C350C-A305-4708-A5CB-14CDDFC21B71}" type="datetimeFigureOut">
               <a:rPr lang="en-US" smtClean="0"/>
-              <a:t>2/24/2022</a:t>
+              <a:t>3/1/2022</a:t>
             </a:fld>
             <a:endParaRPr lang="en-US"/>
           </a:p>
@@ -859,7 +863,7 @@
           <a:p>
             <a:fld id="{023C350C-A305-4708-A5CB-14CDDFC21B71}" type="datetimeFigureOut">
               <a:rPr lang="en-US" smtClean="0"/>
-              <a:t>2/24/2022</a:t>
+              <a:t>3/1/2022</a:t>
             </a:fld>
             <a:endParaRPr lang="en-US"/>
           </a:p>
@@ -1134,7 +1138,7 @@
           <a:p>
             <a:fld id="{023C350C-A305-4708-A5CB-14CDDFC21B71}" type="datetimeFigureOut">
               <a:rPr lang="en-US" smtClean="0"/>
-              <a:t>2/24/2022</a:t>
+              <a:t>3/1/2022</a:t>
             </a:fld>
             <a:endParaRPr lang="en-US"/>
           </a:p>
@@ -1399,7 +1403,7 @@
           <a:p>
             <a:fld id="{023C350C-A305-4708-A5CB-14CDDFC21B71}" type="datetimeFigureOut">
               <a:rPr lang="en-US" smtClean="0"/>
-              <a:t>2/24/2022</a:t>
+              <a:t>3/1/2022</a:t>
             </a:fld>
             <a:endParaRPr lang="en-US"/>
           </a:p>
@@ -1811,7 +1815,7 @@
           <a:p>
             <a:fld id="{023C350C-A305-4708-A5CB-14CDDFC21B71}" type="datetimeFigureOut">
               <a:rPr lang="en-US" smtClean="0"/>
-              <a:t>2/24/2022</a:t>
+              <a:t>3/1/2022</a:t>
             </a:fld>
             <a:endParaRPr lang="en-US"/>
           </a:p>
@@ -1952,7 +1956,7 @@
           <a:p>
             <a:fld id="{023C350C-A305-4708-A5CB-14CDDFC21B71}" type="datetimeFigureOut">
               <a:rPr lang="en-US" smtClean="0"/>
-              <a:t>2/24/2022</a:t>
+              <a:t>3/1/2022</a:t>
             </a:fld>
             <a:endParaRPr lang="en-US"/>
           </a:p>
@@ -2065,7 +2069,7 @@
           <a:p>
             <a:fld id="{023C350C-A305-4708-A5CB-14CDDFC21B71}" type="datetimeFigureOut">
               <a:rPr lang="en-US" smtClean="0"/>
-              <a:t>2/24/2022</a:t>
+              <a:t>3/1/2022</a:t>
             </a:fld>
             <a:endParaRPr lang="en-US"/>
           </a:p>
@@ -2376,7 +2380,7 @@
           <a:p>
             <a:fld id="{023C350C-A305-4708-A5CB-14CDDFC21B71}" type="datetimeFigureOut">
               <a:rPr lang="en-US" smtClean="0"/>
-              <a:t>2/24/2022</a:t>
+              <a:t>3/1/2022</a:t>
             </a:fld>
             <a:endParaRPr lang="en-US"/>
           </a:p>
@@ -2664,7 +2668,7 @@
           <a:p>
             <a:fld id="{023C350C-A305-4708-A5CB-14CDDFC21B71}" type="datetimeFigureOut">
               <a:rPr lang="en-US" smtClean="0"/>
-              <a:t>2/24/2022</a:t>
+              <a:t>3/1/2022</a:t>
             </a:fld>
             <a:endParaRPr lang="en-US"/>
           </a:p>
@@ -2905,7 +2909,7 @@
           <a:p>
             <a:fld id="{023C350C-A305-4708-A5CB-14CDDFC21B71}" type="datetimeFigureOut">
               <a:rPr lang="en-US" smtClean="0"/>
-              <a:t>2/24/2022</a:t>
+              <a:t>3/1/2022</a:t>
             </a:fld>
             <a:endParaRPr lang="en-US"/>
           </a:p>
@@ -3306,332 +3310,6 @@
 </file>
 
 <file path=ppt/slides/slide1.xml><?xml version="1.0" encoding="utf-8"?>
-<p:sld xmlns:a="http://schemas.openxmlformats.org/drawingml/2006/main" xmlns:r="http://schemas.openxmlformats.org/officeDocument/2006/relationships" xmlns:p="http://schemas.openxmlformats.org/presentationml/2006/main">
-  <p:cSld>
-    <p:spTree>
-      <p:nvGrpSpPr>
-        <p:cNvPr id="1" name=""/>
-        <p:cNvGrpSpPr/>
-        <p:nvPr/>
-      </p:nvGrpSpPr>
-      <p:grpSpPr>
-        <a:xfrm>
-          <a:off x="0" y="0"/>
-          <a:ext cx="0" cy="0"/>
-          <a:chOff x="0" y="0"/>
-          <a:chExt cx="0" cy="0"/>
-        </a:xfrm>
-      </p:grpSpPr>
-      <p:pic>
-        <p:nvPicPr>
-          <p:cNvPr id="5" name="Picture 4" descr="A picture containing chart&#10;&#10;Description automatically generated">
-            <a:extLst>
-              <a:ext uri="{FF2B5EF4-FFF2-40B4-BE49-F238E27FC236}">
-                <a16:creationId xmlns:a16="http://schemas.microsoft.com/office/drawing/2014/main" id="{E7DA0BBD-BEAE-48DB-81F7-A156D5958D5A}"/>
-              </a:ext>
-            </a:extLst>
-          </p:cNvPr>
-          <p:cNvPicPr>
-            <a:picLocks noChangeAspect="1"/>
-          </p:cNvPicPr>
-          <p:nvPr/>
-        </p:nvPicPr>
-        <p:blipFill>
-          <a:blip r:embed="rId2">
-            <a:extLst>
-              <a:ext uri="{28A0092B-C50C-407E-A947-70E740481C1C}">
-                <a14:useLocalDpi xmlns:a14="http://schemas.microsoft.com/office/drawing/2010/main" val="0"/>
-              </a:ext>
-            </a:extLst>
-          </a:blip>
-          <a:stretch>
-            <a:fillRect/>
-          </a:stretch>
-        </p:blipFill>
-        <p:spPr>
-          <a:xfrm>
-            <a:off x="0" y="1524000"/>
-            <a:ext cx="12192000" cy="3810000"/>
-          </a:xfrm>
-          <a:prstGeom prst="rect">
-            <a:avLst/>
-          </a:prstGeom>
-        </p:spPr>
-      </p:pic>
-      <p:sp>
-        <p:nvSpPr>
-          <p:cNvPr id="6" name="Oval 5">
-            <a:extLst>
-              <a:ext uri="{FF2B5EF4-FFF2-40B4-BE49-F238E27FC236}">
-                <a16:creationId xmlns:a16="http://schemas.microsoft.com/office/drawing/2014/main" id="{5F3FA04B-4160-41CD-A883-642E50135E14}"/>
-              </a:ext>
-            </a:extLst>
-          </p:cNvPr>
-          <p:cNvSpPr/>
-          <p:nvPr/>
-        </p:nvSpPr>
-        <p:spPr>
-          <a:xfrm>
-            <a:off x="1040524" y="3962400"/>
-            <a:ext cx="1345324" cy="641131"/>
-          </a:xfrm>
-          <a:prstGeom prst="ellipse">
-            <a:avLst/>
-          </a:prstGeom>
-          <a:noFill/>
-          <a:ln w="19050">
-            <a:solidFill>
-              <a:srgbClr val="7030A0"/>
-            </a:solidFill>
-          </a:ln>
-        </p:spPr>
-        <p:style>
-          <a:lnRef idx="2">
-            <a:schemeClr val="accent1">
-              <a:shade val="50000"/>
-            </a:schemeClr>
-          </a:lnRef>
-          <a:fillRef idx="1">
-            <a:schemeClr val="accent1"/>
-          </a:fillRef>
-          <a:effectRef idx="0">
-            <a:schemeClr val="accent1"/>
-          </a:effectRef>
-          <a:fontRef idx="minor">
-            <a:schemeClr val="lt1"/>
-          </a:fontRef>
-        </p:style>
-        <p:txBody>
-          <a:bodyPr rtlCol="0" anchor="ctr"/>
-          <a:lstStyle/>
-          <a:p>
-            <a:pPr algn="ctr"/>
-            <a:endParaRPr lang="en-US"/>
-          </a:p>
-        </p:txBody>
-      </p:sp>
-      <p:sp>
-        <p:nvSpPr>
-          <p:cNvPr id="7" name="Oval 6">
-            <a:extLst>
-              <a:ext uri="{FF2B5EF4-FFF2-40B4-BE49-F238E27FC236}">
-                <a16:creationId xmlns:a16="http://schemas.microsoft.com/office/drawing/2014/main" id="{03BA3AC7-6A53-4184-BD63-B19E91B83BE0}"/>
-              </a:ext>
-            </a:extLst>
-          </p:cNvPr>
-          <p:cNvSpPr/>
-          <p:nvPr/>
-        </p:nvSpPr>
-        <p:spPr>
-          <a:xfrm rot="1062456">
-            <a:off x="3120329" y="4292076"/>
-            <a:ext cx="1072057" cy="509519"/>
-          </a:xfrm>
-          <a:prstGeom prst="ellipse">
-            <a:avLst/>
-          </a:prstGeom>
-          <a:noFill/>
-          <a:ln w="19050">
-            <a:solidFill>
-              <a:srgbClr val="7030A0"/>
-            </a:solidFill>
-          </a:ln>
-        </p:spPr>
-        <p:style>
-          <a:lnRef idx="2">
-            <a:schemeClr val="accent1">
-              <a:shade val="50000"/>
-            </a:schemeClr>
-          </a:lnRef>
-          <a:fillRef idx="1">
-            <a:schemeClr val="accent1"/>
-          </a:fillRef>
-          <a:effectRef idx="0">
-            <a:schemeClr val="accent1"/>
-          </a:effectRef>
-          <a:fontRef idx="minor">
-            <a:schemeClr val="lt1"/>
-          </a:fontRef>
-        </p:style>
-        <p:txBody>
-          <a:bodyPr rtlCol="0" anchor="ctr"/>
-          <a:lstStyle/>
-          <a:p>
-            <a:pPr algn="ctr"/>
-            <a:endParaRPr lang="en-US"/>
-          </a:p>
-        </p:txBody>
-      </p:sp>
-      <p:sp>
-        <p:nvSpPr>
-          <p:cNvPr id="8" name="Oval 7">
-            <a:extLst>
-              <a:ext uri="{FF2B5EF4-FFF2-40B4-BE49-F238E27FC236}">
-                <a16:creationId xmlns:a16="http://schemas.microsoft.com/office/drawing/2014/main" id="{94544EAE-CF99-4FCF-8508-EC8F87418A60}"/>
-              </a:ext>
-            </a:extLst>
-          </p:cNvPr>
-          <p:cNvSpPr/>
-          <p:nvPr/>
-        </p:nvSpPr>
-        <p:spPr>
-          <a:xfrm>
-            <a:off x="2548758" y="4356535"/>
-            <a:ext cx="688428" cy="488731"/>
-          </a:xfrm>
-          <a:prstGeom prst="ellipse">
-            <a:avLst/>
-          </a:prstGeom>
-          <a:noFill/>
-          <a:ln w="19050">
-            <a:solidFill>
-              <a:srgbClr val="7030A0"/>
-            </a:solidFill>
-          </a:ln>
-        </p:spPr>
-        <p:style>
-          <a:lnRef idx="2">
-            <a:schemeClr val="accent1">
-              <a:shade val="50000"/>
-            </a:schemeClr>
-          </a:lnRef>
-          <a:fillRef idx="1">
-            <a:schemeClr val="accent1"/>
-          </a:fillRef>
-          <a:effectRef idx="0">
-            <a:schemeClr val="accent1"/>
-          </a:effectRef>
-          <a:fontRef idx="minor">
-            <a:schemeClr val="lt1"/>
-          </a:fontRef>
-        </p:style>
-        <p:txBody>
-          <a:bodyPr rtlCol="0" anchor="ctr"/>
-          <a:lstStyle/>
-          <a:p>
-            <a:pPr algn="ctr"/>
-            <a:endParaRPr lang="en-US"/>
-          </a:p>
-        </p:txBody>
-      </p:sp>
-      <p:sp>
-        <p:nvSpPr>
-          <p:cNvPr id="9" name="Oval 8">
-            <a:extLst>
-              <a:ext uri="{FF2B5EF4-FFF2-40B4-BE49-F238E27FC236}">
-                <a16:creationId xmlns:a16="http://schemas.microsoft.com/office/drawing/2014/main" id="{E84D2965-80F0-431F-9DEF-F1953F14C331}"/>
-              </a:ext>
-            </a:extLst>
-          </p:cNvPr>
-          <p:cNvSpPr/>
-          <p:nvPr/>
-        </p:nvSpPr>
-        <p:spPr>
-          <a:xfrm>
-            <a:off x="11225050" y="4282965"/>
-            <a:ext cx="557048" cy="562303"/>
-          </a:xfrm>
-          <a:prstGeom prst="ellipse">
-            <a:avLst/>
-          </a:prstGeom>
-          <a:noFill/>
-          <a:ln w="19050">
-            <a:solidFill>
-              <a:srgbClr val="7030A0"/>
-            </a:solidFill>
-          </a:ln>
-        </p:spPr>
-        <p:style>
-          <a:lnRef idx="2">
-            <a:schemeClr val="accent1">
-              <a:shade val="50000"/>
-            </a:schemeClr>
-          </a:lnRef>
-          <a:fillRef idx="1">
-            <a:schemeClr val="accent1"/>
-          </a:fillRef>
-          <a:effectRef idx="0">
-            <a:schemeClr val="accent1"/>
-          </a:effectRef>
-          <a:fontRef idx="minor">
-            <a:schemeClr val="lt1"/>
-          </a:fontRef>
-        </p:style>
-        <p:txBody>
-          <a:bodyPr rtlCol="0" anchor="ctr"/>
-          <a:lstStyle/>
-          <a:p>
-            <a:pPr algn="ctr"/>
-            <a:endParaRPr lang="en-US"/>
-          </a:p>
-        </p:txBody>
-      </p:sp>
-      <p:sp>
-        <p:nvSpPr>
-          <p:cNvPr id="10" name="Oval 9">
-            <a:extLst>
-              <a:ext uri="{FF2B5EF4-FFF2-40B4-BE49-F238E27FC236}">
-                <a16:creationId xmlns:a16="http://schemas.microsoft.com/office/drawing/2014/main" id="{A822B10B-39EF-4C68-B560-0571AF78C06C}"/>
-              </a:ext>
-            </a:extLst>
-          </p:cNvPr>
-          <p:cNvSpPr/>
-          <p:nvPr/>
-        </p:nvSpPr>
-        <p:spPr>
-          <a:xfrm>
-            <a:off x="10042638" y="4214647"/>
-            <a:ext cx="825060" cy="641131"/>
-          </a:xfrm>
-          <a:prstGeom prst="ellipse">
-            <a:avLst/>
-          </a:prstGeom>
-          <a:noFill/>
-          <a:ln w="19050">
-            <a:solidFill>
-              <a:srgbClr val="7030A0"/>
-            </a:solidFill>
-          </a:ln>
-        </p:spPr>
-        <p:style>
-          <a:lnRef idx="2">
-            <a:schemeClr val="accent1">
-              <a:shade val="50000"/>
-            </a:schemeClr>
-          </a:lnRef>
-          <a:fillRef idx="1">
-            <a:schemeClr val="accent1"/>
-          </a:fillRef>
-          <a:effectRef idx="0">
-            <a:schemeClr val="accent1"/>
-          </a:effectRef>
-          <a:fontRef idx="minor">
-            <a:schemeClr val="lt1"/>
-          </a:fontRef>
-        </p:style>
-        <p:txBody>
-          <a:bodyPr rtlCol="0" anchor="ctr"/>
-          <a:lstStyle/>
-          <a:p>
-            <a:pPr algn="ctr"/>
-            <a:endParaRPr lang="en-US"/>
-          </a:p>
-        </p:txBody>
-      </p:sp>
-    </p:spTree>
-    <p:extLst>
-      <p:ext uri="{BB962C8B-B14F-4D97-AF65-F5344CB8AC3E}">
-        <p14:creationId xmlns:p14="http://schemas.microsoft.com/office/powerpoint/2010/main" val="1207410864"/>
-      </p:ext>
-    </p:extLst>
-  </p:cSld>
-  <p:clrMapOvr>
-    <a:masterClrMapping/>
-  </p:clrMapOvr>
-</p:sld>
-</file>
-
-<file path=ppt/slides/slide2.xml><?xml version="1.0" encoding="utf-8"?>
 <p:sld xmlns:a="http://schemas.openxmlformats.org/drawingml/2006/main" xmlns:r="http://schemas.openxmlformats.org/officeDocument/2006/relationships" xmlns:p="http://schemas.openxmlformats.org/presentationml/2006/main">
   <p:cSld>
     <p:spTree>
